--- a/aws_provisioning.pptx
+++ b/aws_provisioning.pptx
@@ -5,7 +5,7 @@
     <p:sldMasterId id="2147483672" r:id="rId1"/>
   </p:sldMasterIdLst>
   <p:notesMasterIdLst>
-    <p:notesMasterId r:id="rId22"/>
+    <p:notesMasterId r:id="rId24"/>
   </p:notesMasterIdLst>
   <p:sldIdLst>
     <p:sldId id="256" r:id="rId2"/>
@@ -28,6 +28,8 @@
     <p:sldId id="275" r:id="rId19"/>
     <p:sldId id="277" r:id="rId20"/>
     <p:sldId id="276" r:id="rId21"/>
+    <p:sldId id="279" r:id="rId22"/>
+    <p:sldId id="278" r:id="rId23"/>
   </p:sldIdLst>
   <p:sldSz cx="9144000" cy="6858000" type="screen4x3"/>
   <p:notesSz cx="6858000" cy="9144000"/>
@@ -554,6 +556,1667 @@
     <p:extLst>
       <p:ext uri="{BB962C8B-B14F-4D97-AF65-F5344CB8AC3E}">
         <p14:creationId xmlns:p14="http://schemas.microsoft.com/office/powerpoint/2010/main" val="531107749"/>
+      </p:ext>
+    </p:extLst>
+  </p:cSld>
+  <p:clrMapOvr>
+    <a:masterClrMapping/>
+  </p:clrMapOvr>
+</p:notes>
+</file>
+
+<file path=ppt/notesSlides/notesSlide10.xml><?xml version="1.0" encoding="utf-8"?>
+<p:notes xmlns:a="http://schemas.openxmlformats.org/drawingml/2006/main" xmlns:r="http://schemas.openxmlformats.org/officeDocument/2006/relationships" xmlns:p="http://schemas.openxmlformats.org/presentationml/2006/main">
+  <p:cSld>
+    <p:spTree>
+      <p:nvGrpSpPr>
+        <p:cNvPr id="1" name=""/>
+        <p:cNvGrpSpPr/>
+        <p:nvPr/>
+      </p:nvGrpSpPr>
+      <p:grpSpPr>
+        <a:xfrm>
+          <a:off x="0" y="0"/>
+          <a:ext cx="0" cy="0"/>
+          <a:chOff x="0" y="0"/>
+          <a:chExt cx="0" cy="0"/>
+        </a:xfrm>
+      </p:grpSpPr>
+      <p:sp>
+        <p:nvSpPr>
+          <p:cNvPr id="2" name="Slide Image Placeholder 1"/>
+          <p:cNvSpPr>
+            <a:spLocks noGrp="1" noRot="1" noChangeAspect="1"/>
+          </p:cNvSpPr>
+          <p:nvPr>
+            <p:ph type="sldImg"/>
+          </p:nvPr>
+        </p:nvSpPr>
+        <p:spPr/>
+      </p:sp>
+      <p:sp>
+        <p:nvSpPr>
+          <p:cNvPr id="3" name="Notes Placeholder 2"/>
+          <p:cNvSpPr>
+            <a:spLocks noGrp="1"/>
+          </p:cNvSpPr>
+          <p:nvPr>
+            <p:ph type="body" idx="1"/>
+          </p:nvPr>
+        </p:nvSpPr>
+        <p:spPr/>
+        <p:txBody>
+          <a:bodyPr/>
+          <a:lstStyle/>
+          <a:p>
+            <a:r>
+              <a:rPr lang="en-US" dirty="0" smtClean="0"/>
+              <a:t>Tasks are run against specific environments. Can be a single</a:t>
+            </a:r>
+            <a:r>
+              <a:rPr lang="en-US" baseline="0" dirty="0" smtClean="0"/>
+              <a:t> or multiple environments. Also supports parallel execution.</a:t>
+            </a:r>
+            <a:endParaRPr lang="en-US" dirty="0"/>
+          </a:p>
+        </p:txBody>
+      </p:sp>
+      <p:sp>
+        <p:nvSpPr>
+          <p:cNvPr id="4" name="Slide Number Placeholder 3"/>
+          <p:cNvSpPr>
+            <a:spLocks noGrp="1"/>
+          </p:cNvSpPr>
+          <p:nvPr>
+            <p:ph type="sldNum" sz="quarter" idx="10"/>
+          </p:nvPr>
+        </p:nvSpPr>
+        <p:spPr/>
+        <p:txBody>
+          <a:bodyPr/>
+          <a:lstStyle/>
+          <a:p>
+            <a:fld id="{3BAE3575-A462-0844-9392-728A2009A29D}" type="slidenum">
+              <a:rPr lang="en-US" smtClean="0"/>
+              <a:t>11</a:t>
+            </a:fld>
+            <a:endParaRPr lang="en-US"/>
+          </a:p>
+        </p:txBody>
+      </p:sp>
+    </p:spTree>
+    <p:extLst>
+      <p:ext uri="{BB962C8B-B14F-4D97-AF65-F5344CB8AC3E}">
+        <p14:creationId xmlns:p14="http://schemas.microsoft.com/office/powerpoint/2010/main" val="2540307819"/>
+      </p:ext>
+    </p:extLst>
+  </p:cSld>
+  <p:clrMapOvr>
+    <a:masterClrMapping/>
+  </p:clrMapOvr>
+</p:notes>
+</file>
+
+<file path=ppt/notesSlides/notesSlide11.xml><?xml version="1.0" encoding="utf-8"?>
+<p:notes xmlns:a="http://schemas.openxmlformats.org/drawingml/2006/main" xmlns:r="http://schemas.openxmlformats.org/officeDocument/2006/relationships" xmlns:p="http://schemas.openxmlformats.org/presentationml/2006/main">
+  <p:cSld>
+    <p:spTree>
+      <p:nvGrpSpPr>
+        <p:cNvPr id="1" name=""/>
+        <p:cNvGrpSpPr/>
+        <p:nvPr/>
+      </p:nvGrpSpPr>
+      <p:grpSpPr>
+        <a:xfrm>
+          <a:off x="0" y="0"/>
+          <a:ext cx="0" cy="0"/>
+          <a:chOff x="0" y="0"/>
+          <a:chExt cx="0" cy="0"/>
+        </a:xfrm>
+      </p:grpSpPr>
+      <p:sp>
+        <p:nvSpPr>
+          <p:cNvPr id="2" name="Slide Image Placeholder 1"/>
+          <p:cNvSpPr>
+            <a:spLocks noGrp="1" noRot="1" noChangeAspect="1"/>
+          </p:cNvSpPr>
+          <p:nvPr>
+            <p:ph type="sldImg"/>
+          </p:nvPr>
+        </p:nvSpPr>
+        <p:spPr/>
+      </p:sp>
+      <p:sp>
+        <p:nvSpPr>
+          <p:cNvPr id="3" name="Notes Placeholder 2"/>
+          <p:cNvSpPr>
+            <a:spLocks noGrp="1"/>
+          </p:cNvSpPr>
+          <p:nvPr>
+            <p:ph type="body" idx="1"/>
+          </p:nvPr>
+        </p:nvSpPr>
+        <p:spPr/>
+        <p:txBody>
+          <a:bodyPr/>
+          <a:lstStyle/>
+          <a:p>
+            <a:r>
+              <a:rPr lang="en-US" dirty="0" smtClean="0"/>
+              <a:t>The “</a:t>
+            </a:r>
+            <a:r>
+              <a:rPr lang="en-US" dirty="0" err="1" smtClean="0"/>
+              <a:t>bene</a:t>
+            </a:r>
+            <a:r>
+              <a:rPr lang="en-US" dirty="0" smtClean="0"/>
+              <a:t>” – you don’t write any code.</a:t>
+            </a:r>
+            <a:br>
+              <a:rPr lang="en-US" dirty="0" smtClean="0"/>
+            </a:br>
+            <a:r>
+              <a:rPr lang="en-US" dirty="0" smtClean="0"/>
+              <a:t>Allows you to allocate</a:t>
+            </a:r>
+            <a:r>
+              <a:rPr lang="en-US" baseline="0" dirty="0" smtClean="0"/>
+              <a:t> AWS resources in a declarative fashion w/JSON.</a:t>
+            </a:r>
+          </a:p>
+          <a:p>
+            <a:r>
+              <a:rPr lang="en-US" baseline="0" dirty="0" smtClean="0"/>
+              <a:t>Composition – have a template for Mongo Replica Set which references a Data Node template and Arbiter template. Reduces duplication and indirectly “consolidates” the configuration.</a:t>
+            </a:r>
+            <a:br>
+              <a:rPr lang="en-US" baseline="0" dirty="0" smtClean="0"/>
+            </a:br>
+            <a:r>
+              <a:rPr lang="en-US" baseline="0" dirty="0" smtClean="0"/>
+              <a:t/>
+            </a:r>
+            <a:br>
+              <a:rPr lang="en-US" baseline="0" dirty="0" smtClean="0"/>
+            </a:br>
+            <a:r>
+              <a:rPr lang="en-US" baseline="0" dirty="0" smtClean="0"/>
+              <a:t>Can do a lot with them</a:t>
+            </a:r>
+            <a:br>
+              <a:rPr lang="en-US" baseline="0" dirty="0" smtClean="0"/>
+            </a:br>
+            <a:r>
+              <a:rPr lang="en-US" baseline="0" dirty="0" smtClean="0"/>
+              <a:t>package support (apt-get, yum, </a:t>
+            </a:r>
+            <a:r>
+              <a:rPr lang="en-US" baseline="0" dirty="0" err="1" smtClean="0"/>
+              <a:t>git</a:t>
+            </a:r>
+            <a:r>
+              <a:rPr lang="en-US" baseline="0" dirty="0" smtClean="0"/>
+              <a:t>)</a:t>
+            </a:r>
+          </a:p>
+          <a:p>
+            <a:r>
+              <a:rPr lang="en-US" baseline="0" dirty="0" smtClean="0"/>
+              <a:t>Execute bash commands (whatever scripting environment is supported in the shell)</a:t>
+            </a:r>
+            <a:endParaRPr lang="en-US" dirty="0"/>
+          </a:p>
+        </p:txBody>
+      </p:sp>
+      <p:sp>
+        <p:nvSpPr>
+          <p:cNvPr id="4" name="Slide Number Placeholder 3"/>
+          <p:cNvSpPr>
+            <a:spLocks noGrp="1"/>
+          </p:cNvSpPr>
+          <p:nvPr>
+            <p:ph type="sldNum" sz="quarter" idx="10"/>
+          </p:nvPr>
+        </p:nvSpPr>
+        <p:spPr/>
+        <p:txBody>
+          <a:bodyPr/>
+          <a:lstStyle/>
+          <a:p>
+            <a:fld id="{3BAE3575-A462-0844-9392-728A2009A29D}" type="slidenum">
+              <a:rPr lang="en-US" smtClean="0"/>
+              <a:t>12</a:t>
+            </a:fld>
+            <a:endParaRPr lang="en-US"/>
+          </a:p>
+        </p:txBody>
+      </p:sp>
+    </p:spTree>
+    <p:extLst>
+      <p:ext uri="{BB962C8B-B14F-4D97-AF65-F5344CB8AC3E}">
+        <p14:creationId xmlns:p14="http://schemas.microsoft.com/office/powerpoint/2010/main" val="2169692787"/>
+      </p:ext>
+    </p:extLst>
+  </p:cSld>
+  <p:clrMapOvr>
+    <a:masterClrMapping/>
+  </p:clrMapOvr>
+</p:notes>
+</file>
+
+<file path=ppt/notesSlides/notesSlide12.xml><?xml version="1.0" encoding="utf-8"?>
+<p:notes xmlns:a="http://schemas.openxmlformats.org/drawingml/2006/main" xmlns:r="http://schemas.openxmlformats.org/officeDocument/2006/relationships" xmlns:p="http://schemas.openxmlformats.org/presentationml/2006/main">
+  <p:cSld>
+    <p:spTree>
+      <p:nvGrpSpPr>
+        <p:cNvPr id="1" name=""/>
+        <p:cNvGrpSpPr/>
+        <p:nvPr/>
+      </p:nvGrpSpPr>
+      <p:grpSpPr>
+        <a:xfrm>
+          <a:off x="0" y="0"/>
+          <a:ext cx="0" cy="0"/>
+          <a:chOff x="0" y="0"/>
+          <a:chExt cx="0" cy="0"/>
+        </a:xfrm>
+      </p:grpSpPr>
+      <p:sp>
+        <p:nvSpPr>
+          <p:cNvPr id="2" name="Slide Image Placeholder 1"/>
+          <p:cNvSpPr>
+            <a:spLocks noGrp="1" noRot="1" noChangeAspect="1"/>
+          </p:cNvSpPr>
+          <p:nvPr>
+            <p:ph type="sldImg"/>
+          </p:nvPr>
+        </p:nvSpPr>
+        <p:spPr/>
+      </p:sp>
+      <p:sp>
+        <p:nvSpPr>
+          <p:cNvPr id="3" name="Notes Placeholder 2"/>
+          <p:cNvSpPr>
+            <a:spLocks noGrp="1"/>
+          </p:cNvSpPr>
+          <p:nvPr>
+            <p:ph type="body" idx="1"/>
+          </p:nvPr>
+        </p:nvSpPr>
+        <p:spPr/>
+        <p:txBody>
+          <a:bodyPr/>
+          <a:lstStyle/>
+          <a:p>
+            <a:r>
+              <a:rPr lang="en-US" dirty="0" smtClean="0"/>
+              <a:t>Verbose, but rather simple</a:t>
+            </a:r>
+          </a:p>
+          <a:p>
+            <a:endParaRPr lang="en-US" dirty="0"/>
+          </a:p>
+        </p:txBody>
+      </p:sp>
+      <p:sp>
+        <p:nvSpPr>
+          <p:cNvPr id="4" name="Slide Number Placeholder 3"/>
+          <p:cNvSpPr>
+            <a:spLocks noGrp="1"/>
+          </p:cNvSpPr>
+          <p:nvPr>
+            <p:ph type="sldNum" sz="quarter" idx="10"/>
+          </p:nvPr>
+        </p:nvSpPr>
+        <p:spPr/>
+        <p:txBody>
+          <a:bodyPr/>
+          <a:lstStyle/>
+          <a:p>
+            <a:fld id="{3BAE3575-A462-0844-9392-728A2009A29D}" type="slidenum">
+              <a:rPr lang="en-US" smtClean="0"/>
+              <a:t>13</a:t>
+            </a:fld>
+            <a:endParaRPr lang="en-US"/>
+          </a:p>
+        </p:txBody>
+      </p:sp>
+    </p:spTree>
+    <p:extLst>
+      <p:ext uri="{BB962C8B-B14F-4D97-AF65-F5344CB8AC3E}">
+        <p14:creationId xmlns:p14="http://schemas.microsoft.com/office/powerpoint/2010/main" val="2204880958"/>
+      </p:ext>
+    </p:extLst>
+  </p:cSld>
+  <p:clrMapOvr>
+    <a:masterClrMapping/>
+  </p:clrMapOvr>
+</p:notes>
+</file>
+
+<file path=ppt/notesSlides/notesSlide13.xml><?xml version="1.0" encoding="utf-8"?>
+<p:notes xmlns:a="http://schemas.openxmlformats.org/drawingml/2006/main" xmlns:r="http://schemas.openxmlformats.org/officeDocument/2006/relationships" xmlns:p="http://schemas.openxmlformats.org/presentationml/2006/main">
+  <p:cSld>
+    <p:spTree>
+      <p:nvGrpSpPr>
+        <p:cNvPr id="1" name=""/>
+        <p:cNvGrpSpPr/>
+        <p:nvPr/>
+      </p:nvGrpSpPr>
+      <p:grpSpPr>
+        <a:xfrm>
+          <a:off x="0" y="0"/>
+          <a:ext cx="0" cy="0"/>
+          <a:chOff x="0" y="0"/>
+          <a:chExt cx="0" cy="0"/>
+        </a:xfrm>
+      </p:grpSpPr>
+      <p:sp>
+        <p:nvSpPr>
+          <p:cNvPr id="2" name="Slide Image Placeholder 1"/>
+          <p:cNvSpPr>
+            <a:spLocks noGrp="1" noRot="1" noChangeAspect="1"/>
+          </p:cNvSpPr>
+          <p:nvPr>
+            <p:ph type="sldImg"/>
+          </p:nvPr>
+        </p:nvSpPr>
+        <p:spPr/>
+      </p:sp>
+      <p:sp>
+        <p:nvSpPr>
+          <p:cNvPr id="3" name="Notes Placeholder 2"/>
+          <p:cNvSpPr>
+            <a:spLocks noGrp="1"/>
+          </p:cNvSpPr>
+          <p:nvPr>
+            <p:ph type="body" idx="1"/>
+          </p:nvPr>
+        </p:nvSpPr>
+        <p:spPr/>
+        <p:txBody>
+          <a:bodyPr/>
+          <a:lstStyle/>
+          <a:p>
+            <a:pPr marL="171450" indent="-171450">
+              <a:buFontTx/>
+              <a:buChar char="-"/>
+            </a:pPr>
+            <a:r>
+              <a:rPr lang="en-US" dirty="0" smtClean="0"/>
+              <a:t>All in one file . . .bash, package management in JSON strings</a:t>
+            </a:r>
+          </a:p>
+          <a:p>
+            <a:pPr marL="171450" indent="-171450">
+              <a:buFontTx/>
+              <a:buChar char="-"/>
+            </a:pPr>
+            <a:r>
+              <a:rPr lang="en-US" dirty="0" smtClean="0"/>
+              <a:t>Region specific if you want to support multiple</a:t>
+            </a:r>
+            <a:r>
+              <a:rPr lang="en-US" baseline="0" dirty="0" smtClean="0"/>
+              <a:t> regions you’ll need to have copies of the template in each region. Also each template must be configured to work in any </a:t>
+            </a:r>
+            <a:r>
+              <a:rPr lang="en-US" baseline="0" dirty="0" err="1" smtClean="0"/>
+              <a:t>enviornment</a:t>
+            </a:r>
+            <a:r>
+              <a:rPr lang="en-US" baseline="0" dirty="0" smtClean="0"/>
+              <a:t>, unless you want to</a:t>
+            </a:r>
+            <a:br>
+              <a:rPr lang="en-US" baseline="0" dirty="0" smtClean="0"/>
+            </a:br>
+            <a:r>
+              <a:rPr lang="en-US" baseline="0" dirty="0" smtClean="0"/>
+              <a:t>have separate copies of the template for each region (doesn’t scale)</a:t>
+            </a:r>
+          </a:p>
+        </p:txBody>
+      </p:sp>
+      <p:sp>
+        <p:nvSpPr>
+          <p:cNvPr id="4" name="Slide Number Placeholder 3"/>
+          <p:cNvSpPr>
+            <a:spLocks noGrp="1"/>
+          </p:cNvSpPr>
+          <p:nvPr>
+            <p:ph type="sldNum" sz="quarter" idx="10"/>
+          </p:nvPr>
+        </p:nvSpPr>
+        <p:spPr/>
+        <p:txBody>
+          <a:bodyPr/>
+          <a:lstStyle/>
+          <a:p>
+            <a:fld id="{3BAE3575-A462-0844-9392-728A2009A29D}" type="slidenum">
+              <a:rPr lang="en-US" smtClean="0"/>
+              <a:t>14</a:t>
+            </a:fld>
+            <a:endParaRPr lang="en-US"/>
+          </a:p>
+        </p:txBody>
+      </p:sp>
+    </p:spTree>
+    <p:extLst>
+      <p:ext uri="{BB962C8B-B14F-4D97-AF65-F5344CB8AC3E}">
+        <p14:creationId xmlns:p14="http://schemas.microsoft.com/office/powerpoint/2010/main" val="2090552881"/>
+      </p:ext>
+    </p:extLst>
+  </p:cSld>
+  <p:clrMapOvr>
+    <a:masterClrMapping/>
+  </p:clrMapOvr>
+</p:notes>
+</file>
+
+<file path=ppt/notesSlides/notesSlide14.xml><?xml version="1.0" encoding="utf-8"?>
+<p:notes xmlns:a="http://schemas.openxmlformats.org/drawingml/2006/main" xmlns:r="http://schemas.openxmlformats.org/officeDocument/2006/relationships" xmlns:p="http://schemas.openxmlformats.org/presentationml/2006/main">
+  <p:cSld>
+    <p:spTree>
+      <p:nvGrpSpPr>
+        <p:cNvPr id="1" name=""/>
+        <p:cNvGrpSpPr/>
+        <p:nvPr/>
+      </p:nvGrpSpPr>
+      <p:grpSpPr>
+        <a:xfrm>
+          <a:off x="0" y="0"/>
+          <a:ext cx="0" cy="0"/>
+          <a:chOff x="0" y="0"/>
+          <a:chExt cx="0" cy="0"/>
+        </a:xfrm>
+      </p:grpSpPr>
+      <p:sp>
+        <p:nvSpPr>
+          <p:cNvPr id="2" name="Slide Image Placeholder 1"/>
+          <p:cNvSpPr>
+            <a:spLocks noGrp="1" noRot="1" noChangeAspect="1"/>
+          </p:cNvSpPr>
+          <p:nvPr>
+            <p:ph type="sldImg"/>
+          </p:nvPr>
+        </p:nvSpPr>
+        <p:spPr/>
+      </p:sp>
+      <p:sp>
+        <p:nvSpPr>
+          <p:cNvPr id="3" name="Notes Placeholder 2"/>
+          <p:cNvSpPr>
+            <a:spLocks noGrp="1"/>
+          </p:cNvSpPr>
+          <p:nvPr>
+            <p:ph type="body" idx="1"/>
+          </p:nvPr>
+        </p:nvSpPr>
+        <p:spPr/>
+        <p:txBody>
+          <a:bodyPr/>
+          <a:lstStyle/>
+          <a:p>
+            <a:endParaRPr lang="en-US" dirty="0"/>
+          </a:p>
+        </p:txBody>
+      </p:sp>
+      <p:sp>
+        <p:nvSpPr>
+          <p:cNvPr id="4" name="Slide Number Placeholder 3"/>
+          <p:cNvSpPr>
+            <a:spLocks noGrp="1"/>
+          </p:cNvSpPr>
+          <p:nvPr>
+            <p:ph type="sldNum" sz="quarter" idx="10"/>
+          </p:nvPr>
+        </p:nvSpPr>
+        <p:spPr/>
+        <p:txBody>
+          <a:bodyPr/>
+          <a:lstStyle/>
+          <a:p>
+            <a:fld id="{3BAE3575-A462-0844-9392-728A2009A29D}" type="slidenum">
+              <a:rPr lang="en-US" smtClean="0"/>
+              <a:t>15</a:t>
+            </a:fld>
+            <a:endParaRPr lang="en-US"/>
+          </a:p>
+        </p:txBody>
+      </p:sp>
+    </p:spTree>
+    <p:extLst>
+      <p:ext uri="{BB962C8B-B14F-4D97-AF65-F5344CB8AC3E}">
+        <p14:creationId xmlns:p14="http://schemas.microsoft.com/office/powerpoint/2010/main" val="1070279270"/>
+      </p:ext>
+    </p:extLst>
+  </p:cSld>
+  <p:clrMapOvr>
+    <a:masterClrMapping/>
+  </p:clrMapOvr>
+</p:notes>
+</file>
+
+<file path=ppt/notesSlides/notesSlide15.xml><?xml version="1.0" encoding="utf-8"?>
+<p:notes xmlns:a="http://schemas.openxmlformats.org/drawingml/2006/main" xmlns:r="http://schemas.openxmlformats.org/officeDocument/2006/relationships" xmlns:p="http://schemas.openxmlformats.org/presentationml/2006/main">
+  <p:cSld>
+    <p:spTree>
+      <p:nvGrpSpPr>
+        <p:cNvPr id="1" name=""/>
+        <p:cNvGrpSpPr/>
+        <p:nvPr/>
+      </p:nvGrpSpPr>
+      <p:grpSpPr>
+        <a:xfrm>
+          <a:off x="0" y="0"/>
+          <a:ext cx="0" cy="0"/>
+          <a:chOff x="0" y="0"/>
+          <a:chExt cx="0" cy="0"/>
+        </a:xfrm>
+      </p:grpSpPr>
+      <p:sp>
+        <p:nvSpPr>
+          <p:cNvPr id="2" name="Slide Image Placeholder 1"/>
+          <p:cNvSpPr>
+            <a:spLocks noGrp="1" noRot="1" noChangeAspect="1"/>
+          </p:cNvSpPr>
+          <p:nvPr>
+            <p:ph type="sldImg"/>
+          </p:nvPr>
+        </p:nvSpPr>
+        <p:spPr/>
+      </p:sp>
+      <p:sp>
+        <p:nvSpPr>
+          <p:cNvPr id="3" name="Notes Placeholder 2"/>
+          <p:cNvSpPr>
+            <a:spLocks noGrp="1"/>
+          </p:cNvSpPr>
+          <p:nvPr>
+            <p:ph type="body" idx="1"/>
+          </p:nvPr>
+        </p:nvSpPr>
+        <p:spPr/>
+        <p:txBody>
+          <a:bodyPr/>
+          <a:lstStyle/>
+          <a:p>
+            <a:endParaRPr lang="en-US" dirty="0"/>
+          </a:p>
+        </p:txBody>
+      </p:sp>
+      <p:sp>
+        <p:nvSpPr>
+          <p:cNvPr id="4" name="Slide Number Placeholder 3"/>
+          <p:cNvSpPr>
+            <a:spLocks noGrp="1"/>
+          </p:cNvSpPr>
+          <p:nvPr>
+            <p:ph type="sldNum" sz="quarter" idx="10"/>
+          </p:nvPr>
+        </p:nvSpPr>
+        <p:spPr/>
+        <p:txBody>
+          <a:bodyPr/>
+          <a:lstStyle/>
+          <a:p>
+            <a:fld id="{3BAE3575-A462-0844-9392-728A2009A29D}" type="slidenum">
+              <a:rPr lang="en-US" smtClean="0"/>
+              <a:t>16</a:t>
+            </a:fld>
+            <a:endParaRPr lang="en-US"/>
+          </a:p>
+        </p:txBody>
+      </p:sp>
+    </p:spTree>
+    <p:extLst>
+      <p:ext uri="{BB962C8B-B14F-4D97-AF65-F5344CB8AC3E}">
+        <p14:creationId xmlns:p14="http://schemas.microsoft.com/office/powerpoint/2010/main" val="3015358767"/>
+      </p:ext>
+    </p:extLst>
+  </p:cSld>
+  <p:clrMapOvr>
+    <a:masterClrMapping/>
+  </p:clrMapOvr>
+</p:notes>
+</file>
+
+<file path=ppt/notesSlides/notesSlide16.xml><?xml version="1.0" encoding="utf-8"?>
+<p:notes xmlns:a="http://schemas.openxmlformats.org/drawingml/2006/main" xmlns:r="http://schemas.openxmlformats.org/officeDocument/2006/relationships" xmlns:p="http://schemas.openxmlformats.org/presentationml/2006/main">
+  <p:cSld>
+    <p:spTree>
+      <p:nvGrpSpPr>
+        <p:cNvPr id="1" name=""/>
+        <p:cNvGrpSpPr/>
+        <p:nvPr/>
+      </p:nvGrpSpPr>
+      <p:grpSpPr>
+        <a:xfrm>
+          <a:off x="0" y="0"/>
+          <a:ext cx="0" cy="0"/>
+          <a:chOff x="0" y="0"/>
+          <a:chExt cx="0" cy="0"/>
+        </a:xfrm>
+      </p:grpSpPr>
+      <p:sp>
+        <p:nvSpPr>
+          <p:cNvPr id="2" name="Slide Image Placeholder 1"/>
+          <p:cNvSpPr>
+            <a:spLocks noGrp="1" noRot="1" noChangeAspect="1"/>
+          </p:cNvSpPr>
+          <p:nvPr>
+            <p:ph type="sldImg"/>
+          </p:nvPr>
+        </p:nvSpPr>
+        <p:spPr/>
+      </p:sp>
+      <p:sp>
+        <p:nvSpPr>
+          <p:cNvPr id="3" name="Notes Placeholder 2"/>
+          <p:cNvSpPr>
+            <a:spLocks noGrp="1"/>
+          </p:cNvSpPr>
+          <p:nvPr>
+            <p:ph type="body" idx="1"/>
+          </p:nvPr>
+        </p:nvSpPr>
+        <p:spPr/>
+        <p:txBody>
+          <a:bodyPr/>
+          <a:lstStyle/>
+          <a:p>
+            <a:r>
+              <a:rPr lang="en-US" dirty="0" smtClean="0"/>
+              <a:t>AWS</a:t>
+            </a:r>
+            <a:r>
+              <a:rPr lang="en-US" baseline="0" dirty="0" smtClean="0"/>
+              <a:t> UI for CF template parameters</a:t>
+            </a:r>
+            <a:endParaRPr lang="en-US" dirty="0"/>
+          </a:p>
+        </p:txBody>
+      </p:sp>
+      <p:sp>
+        <p:nvSpPr>
+          <p:cNvPr id="4" name="Slide Number Placeholder 3"/>
+          <p:cNvSpPr>
+            <a:spLocks noGrp="1"/>
+          </p:cNvSpPr>
+          <p:nvPr>
+            <p:ph type="sldNum" sz="quarter" idx="10"/>
+          </p:nvPr>
+        </p:nvSpPr>
+        <p:spPr/>
+        <p:txBody>
+          <a:bodyPr/>
+          <a:lstStyle/>
+          <a:p>
+            <a:fld id="{3BAE3575-A462-0844-9392-728A2009A29D}" type="slidenum">
+              <a:rPr lang="en-US" smtClean="0"/>
+              <a:t>19</a:t>
+            </a:fld>
+            <a:endParaRPr lang="en-US"/>
+          </a:p>
+        </p:txBody>
+      </p:sp>
+    </p:spTree>
+    <p:extLst>
+      <p:ext uri="{BB962C8B-B14F-4D97-AF65-F5344CB8AC3E}">
+        <p14:creationId xmlns:p14="http://schemas.microsoft.com/office/powerpoint/2010/main" val="1949066637"/>
+      </p:ext>
+    </p:extLst>
+  </p:cSld>
+  <p:clrMapOvr>
+    <a:masterClrMapping/>
+  </p:clrMapOvr>
+</p:notes>
+</file>
+
+<file path=ppt/notesSlides/notesSlide17.xml><?xml version="1.0" encoding="utf-8"?>
+<p:notes xmlns:a="http://schemas.openxmlformats.org/drawingml/2006/main" xmlns:r="http://schemas.openxmlformats.org/officeDocument/2006/relationships" xmlns:p="http://schemas.openxmlformats.org/presentationml/2006/main">
+  <p:cSld>
+    <p:spTree>
+      <p:nvGrpSpPr>
+        <p:cNvPr id="1" name=""/>
+        <p:cNvGrpSpPr/>
+        <p:nvPr/>
+      </p:nvGrpSpPr>
+      <p:grpSpPr>
+        <a:xfrm>
+          <a:off x="0" y="0"/>
+          <a:ext cx="0" cy="0"/>
+          <a:chOff x="0" y="0"/>
+          <a:chExt cx="0" cy="0"/>
+        </a:xfrm>
+      </p:grpSpPr>
+      <p:sp>
+        <p:nvSpPr>
+          <p:cNvPr id="2" name="Slide Image Placeholder 1"/>
+          <p:cNvSpPr>
+            <a:spLocks noGrp="1" noRot="1" noChangeAspect="1"/>
+          </p:cNvSpPr>
+          <p:nvPr>
+            <p:ph type="sldImg"/>
+          </p:nvPr>
+        </p:nvSpPr>
+        <p:spPr/>
+      </p:sp>
+      <p:sp>
+        <p:nvSpPr>
+          <p:cNvPr id="3" name="Notes Placeholder 2"/>
+          <p:cNvSpPr>
+            <a:spLocks noGrp="1"/>
+          </p:cNvSpPr>
+          <p:nvPr>
+            <p:ph type="body" idx="1"/>
+          </p:nvPr>
+        </p:nvSpPr>
+        <p:spPr/>
+        <p:txBody>
+          <a:bodyPr/>
+          <a:lstStyle/>
+          <a:p>
+            <a:endParaRPr lang="en-US" dirty="0"/>
+          </a:p>
+        </p:txBody>
+      </p:sp>
+      <p:sp>
+        <p:nvSpPr>
+          <p:cNvPr id="4" name="Slide Number Placeholder 3"/>
+          <p:cNvSpPr>
+            <a:spLocks noGrp="1"/>
+          </p:cNvSpPr>
+          <p:nvPr>
+            <p:ph type="sldNum" sz="quarter" idx="10"/>
+          </p:nvPr>
+        </p:nvSpPr>
+        <p:spPr/>
+        <p:txBody>
+          <a:bodyPr/>
+          <a:lstStyle/>
+          <a:p>
+            <a:fld id="{3BAE3575-A462-0844-9392-728A2009A29D}" type="slidenum">
+              <a:rPr lang="en-US" smtClean="0"/>
+              <a:t>20</a:t>
+            </a:fld>
+            <a:endParaRPr lang="en-US"/>
+          </a:p>
+        </p:txBody>
+      </p:sp>
+    </p:spTree>
+    <p:extLst>
+      <p:ext uri="{BB962C8B-B14F-4D97-AF65-F5344CB8AC3E}">
+        <p14:creationId xmlns:p14="http://schemas.microsoft.com/office/powerpoint/2010/main" val="1739457180"/>
+      </p:ext>
+    </p:extLst>
+  </p:cSld>
+  <p:clrMapOvr>
+    <a:masterClrMapping/>
+  </p:clrMapOvr>
+</p:notes>
+</file>
+
+<file path=ppt/notesSlides/notesSlide2.xml><?xml version="1.0" encoding="utf-8"?>
+<p:notes xmlns:a="http://schemas.openxmlformats.org/drawingml/2006/main" xmlns:r="http://schemas.openxmlformats.org/officeDocument/2006/relationships" xmlns:p="http://schemas.openxmlformats.org/presentationml/2006/main">
+  <p:cSld>
+    <p:spTree>
+      <p:nvGrpSpPr>
+        <p:cNvPr id="1" name=""/>
+        <p:cNvGrpSpPr/>
+        <p:nvPr/>
+      </p:nvGrpSpPr>
+      <p:grpSpPr>
+        <a:xfrm>
+          <a:off x="0" y="0"/>
+          <a:ext cx="0" cy="0"/>
+          <a:chOff x="0" y="0"/>
+          <a:chExt cx="0" cy="0"/>
+        </a:xfrm>
+      </p:grpSpPr>
+      <p:sp>
+        <p:nvSpPr>
+          <p:cNvPr id="2" name="Slide Image Placeholder 1"/>
+          <p:cNvSpPr>
+            <a:spLocks noGrp="1" noRot="1" noChangeAspect="1"/>
+          </p:cNvSpPr>
+          <p:nvPr>
+            <p:ph type="sldImg"/>
+          </p:nvPr>
+        </p:nvSpPr>
+        <p:spPr/>
+      </p:sp>
+      <p:sp>
+        <p:nvSpPr>
+          <p:cNvPr id="3" name="Notes Placeholder 2"/>
+          <p:cNvSpPr>
+            <a:spLocks noGrp="1"/>
+          </p:cNvSpPr>
+          <p:nvPr>
+            <p:ph type="body" idx="1"/>
+          </p:nvPr>
+        </p:nvSpPr>
+        <p:spPr/>
+        <p:txBody>
+          <a:bodyPr/>
+          <a:lstStyle/>
+          <a:p>
+            <a:endParaRPr lang="en-US" dirty="0"/>
+          </a:p>
+        </p:txBody>
+      </p:sp>
+      <p:sp>
+        <p:nvSpPr>
+          <p:cNvPr id="4" name="Slide Number Placeholder 3"/>
+          <p:cNvSpPr>
+            <a:spLocks noGrp="1"/>
+          </p:cNvSpPr>
+          <p:nvPr>
+            <p:ph type="sldNum" sz="quarter" idx="10"/>
+          </p:nvPr>
+        </p:nvSpPr>
+        <p:spPr/>
+        <p:txBody>
+          <a:bodyPr/>
+          <a:lstStyle/>
+          <a:p>
+            <a:fld id="{3BAE3575-A462-0844-9392-728A2009A29D}" type="slidenum">
+              <a:rPr lang="en-US" smtClean="0"/>
+              <a:t>2</a:t>
+            </a:fld>
+            <a:endParaRPr lang="en-US"/>
+          </a:p>
+        </p:txBody>
+      </p:sp>
+    </p:spTree>
+    <p:extLst>
+      <p:ext uri="{BB962C8B-B14F-4D97-AF65-F5344CB8AC3E}">
+        <p14:creationId xmlns:p14="http://schemas.microsoft.com/office/powerpoint/2010/main" val="2905825277"/>
+      </p:ext>
+    </p:extLst>
+  </p:cSld>
+  <p:clrMapOvr>
+    <a:masterClrMapping/>
+  </p:clrMapOvr>
+</p:notes>
+</file>
+
+<file path=ppt/notesSlides/notesSlide3.xml><?xml version="1.0" encoding="utf-8"?>
+<p:notes xmlns:a="http://schemas.openxmlformats.org/drawingml/2006/main" xmlns:r="http://schemas.openxmlformats.org/officeDocument/2006/relationships" xmlns:p="http://schemas.openxmlformats.org/presentationml/2006/main">
+  <p:cSld>
+    <p:spTree>
+      <p:nvGrpSpPr>
+        <p:cNvPr id="1" name=""/>
+        <p:cNvGrpSpPr/>
+        <p:nvPr/>
+      </p:nvGrpSpPr>
+      <p:grpSpPr>
+        <a:xfrm>
+          <a:off x="0" y="0"/>
+          <a:ext cx="0" cy="0"/>
+          <a:chOff x="0" y="0"/>
+          <a:chExt cx="0" cy="0"/>
+        </a:xfrm>
+      </p:grpSpPr>
+      <p:sp>
+        <p:nvSpPr>
+          <p:cNvPr id="2" name="Slide Image Placeholder 1"/>
+          <p:cNvSpPr>
+            <a:spLocks noGrp="1" noRot="1" noChangeAspect="1"/>
+          </p:cNvSpPr>
+          <p:nvPr>
+            <p:ph type="sldImg"/>
+          </p:nvPr>
+        </p:nvSpPr>
+        <p:spPr/>
+      </p:sp>
+      <p:sp>
+        <p:nvSpPr>
+          <p:cNvPr id="3" name="Notes Placeholder 2"/>
+          <p:cNvSpPr>
+            <a:spLocks noGrp="1"/>
+          </p:cNvSpPr>
+          <p:nvPr>
+            <p:ph type="body" idx="1"/>
+          </p:nvPr>
+        </p:nvSpPr>
+        <p:spPr/>
+        <p:txBody>
+          <a:bodyPr/>
+          <a:lstStyle/>
+          <a:p>
+            <a:endParaRPr lang="en-US" dirty="0"/>
+          </a:p>
+        </p:txBody>
+      </p:sp>
+      <p:sp>
+        <p:nvSpPr>
+          <p:cNvPr id="4" name="Slide Number Placeholder 3"/>
+          <p:cNvSpPr>
+            <a:spLocks noGrp="1"/>
+          </p:cNvSpPr>
+          <p:nvPr>
+            <p:ph type="sldNum" sz="quarter" idx="10"/>
+          </p:nvPr>
+        </p:nvSpPr>
+        <p:spPr/>
+        <p:txBody>
+          <a:bodyPr/>
+          <a:lstStyle/>
+          <a:p>
+            <a:fld id="{3BAE3575-A462-0844-9392-728A2009A29D}" type="slidenum">
+              <a:rPr lang="en-US" smtClean="0"/>
+              <a:t>3</a:t>
+            </a:fld>
+            <a:endParaRPr lang="en-US"/>
+          </a:p>
+        </p:txBody>
+      </p:sp>
+    </p:spTree>
+    <p:extLst>
+      <p:ext uri="{BB962C8B-B14F-4D97-AF65-F5344CB8AC3E}">
+        <p14:creationId xmlns:p14="http://schemas.microsoft.com/office/powerpoint/2010/main" val="1897002257"/>
+      </p:ext>
+    </p:extLst>
+  </p:cSld>
+  <p:clrMapOvr>
+    <a:masterClrMapping/>
+  </p:clrMapOvr>
+</p:notes>
+</file>
+
+<file path=ppt/notesSlides/notesSlide4.xml><?xml version="1.0" encoding="utf-8"?>
+<p:notes xmlns:a="http://schemas.openxmlformats.org/drawingml/2006/main" xmlns:r="http://schemas.openxmlformats.org/officeDocument/2006/relationships" xmlns:p="http://schemas.openxmlformats.org/presentationml/2006/main">
+  <p:cSld>
+    <p:spTree>
+      <p:nvGrpSpPr>
+        <p:cNvPr id="1" name=""/>
+        <p:cNvGrpSpPr/>
+        <p:nvPr/>
+      </p:nvGrpSpPr>
+      <p:grpSpPr>
+        <a:xfrm>
+          <a:off x="0" y="0"/>
+          <a:ext cx="0" cy="0"/>
+          <a:chOff x="0" y="0"/>
+          <a:chExt cx="0" cy="0"/>
+        </a:xfrm>
+      </p:grpSpPr>
+      <p:sp>
+        <p:nvSpPr>
+          <p:cNvPr id="2" name="Slide Image Placeholder 1"/>
+          <p:cNvSpPr>
+            <a:spLocks noGrp="1" noRot="1" noChangeAspect="1"/>
+          </p:cNvSpPr>
+          <p:nvPr>
+            <p:ph type="sldImg"/>
+          </p:nvPr>
+        </p:nvSpPr>
+        <p:spPr/>
+      </p:sp>
+      <p:sp>
+        <p:nvSpPr>
+          <p:cNvPr id="3" name="Notes Placeholder 2"/>
+          <p:cNvSpPr>
+            <a:spLocks noGrp="1"/>
+          </p:cNvSpPr>
+          <p:nvPr>
+            <p:ph type="body" idx="1"/>
+          </p:nvPr>
+        </p:nvSpPr>
+        <p:spPr/>
+        <p:txBody>
+          <a:bodyPr/>
+          <a:lstStyle/>
+          <a:p>
+            <a:r>
+              <a:rPr lang="en-US" dirty="0" err="1" smtClean="0"/>
+              <a:t>IaaS</a:t>
+            </a:r>
+            <a:r>
+              <a:rPr lang="en-US" dirty="0" smtClean="0"/>
+              <a:t> – use</a:t>
+            </a:r>
+            <a:r>
+              <a:rPr lang="en-US" baseline="0" dirty="0" smtClean="0"/>
+              <a:t> the cloud in an “elastic fashion”, resources on demand. Turn it off when you don’t need it!</a:t>
+            </a:r>
+          </a:p>
+          <a:p>
+            <a:r>
+              <a:rPr lang="en-US" baseline="0" dirty="0" smtClean="0"/>
+              <a:t>Regions/availability zones – redundancy and availability. PD stack spread across multiple availability zones</a:t>
+            </a:r>
+          </a:p>
+          <a:p>
+            <a:r>
+              <a:rPr lang="en-US" baseline="0" dirty="0" smtClean="0"/>
+              <a:t>Ami  - “disk images” for your virtual machines (EC2 instances). Keep ‘</a:t>
+            </a:r>
+            <a:r>
+              <a:rPr lang="en-US" baseline="0" dirty="0" err="1" smtClean="0"/>
+              <a:t>em</a:t>
+            </a:r>
+            <a:r>
+              <a:rPr lang="en-US" baseline="0" dirty="0" smtClean="0"/>
+              <a:t> simple. We opt to </a:t>
+            </a:r>
+            <a:endParaRPr lang="en-US" dirty="0"/>
+          </a:p>
+        </p:txBody>
+      </p:sp>
+      <p:sp>
+        <p:nvSpPr>
+          <p:cNvPr id="4" name="Slide Number Placeholder 3"/>
+          <p:cNvSpPr>
+            <a:spLocks noGrp="1"/>
+          </p:cNvSpPr>
+          <p:nvPr>
+            <p:ph type="sldNum" sz="quarter" idx="10"/>
+          </p:nvPr>
+        </p:nvSpPr>
+        <p:spPr/>
+        <p:txBody>
+          <a:bodyPr/>
+          <a:lstStyle/>
+          <a:p>
+            <a:fld id="{3BAE3575-A462-0844-9392-728A2009A29D}" type="slidenum">
+              <a:rPr lang="en-US" smtClean="0"/>
+              <a:t>4</a:t>
+            </a:fld>
+            <a:endParaRPr lang="en-US"/>
+          </a:p>
+        </p:txBody>
+      </p:sp>
+    </p:spTree>
+    <p:extLst>
+      <p:ext uri="{BB962C8B-B14F-4D97-AF65-F5344CB8AC3E}">
+        <p14:creationId xmlns:p14="http://schemas.microsoft.com/office/powerpoint/2010/main" val="3458883575"/>
+      </p:ext>
+    </p:extLst>
+  </p:cSld>
+  <p:clrMapOvr>
+    <a:masterClrMapping/>
+  </p:clrMapOvr>
+</p:notes>
+</file>
+
+<file path=ppt/notesSlides/notesSlide5.xml><?xml version="1.0" encoding="utf-8"?>
+<p:notes xmlns:a="http://schemas.openxmlformats.org/drawingml/2006/main" xmlns:r="http://schemas.openxmlformats.org/officeDocument/2006/relationships" xmlns:p="http://schemas.openxmlformats.org/presentationml/2006/main">
+  <p:cSld>
+    <p:spTree>
+      <p:nvGrpSpPr>
+        <p:cNvPr id="1" name=""/>
+        <p:cNvGrpSpPr/>
+        <p:nvPr/>
+      </p:nvGrpSpPr>
+      <p:grpSpPr>
+        <a:xfrm>
+          <a:off x="0" y="0"/>
+          <a:ext cx="0" cy="0"/>
+          <a:chOff x="0" y="0"/>
+          <a:chExt cx="0" cy="0"/>
+        </a:xfrm>
+      </p:grpSpPr>
+      <p:sp>
+        <p:nvSpPr>
+          <p:cNvPr id="2" name="Slide Image Placeholder 1"/>
+          <p:cNvSpPr>
+            <a:spLocks noGrp="1" noRot="1" noChangeAspect="1"/>
+          </p:cNvSpPr>
+          <p:nvPr>
+            <p:ph type="sldImg"/>
+          </p:nvPr>
+        </p:nvSpPr>
+        <p:spPr/>
+      </p:sp>
+      <p:sp>
+        <p:nvSpPr>
+          <p:cNvPr id="3" name="Notes Placeholder 2"/>
+          <p:cNvSpPr>
+            <a:spLocks noGrp="1"/>
+          </p:cNvSpPr>
+          <p:nvPr>
+            <p:ph type="body" idx="1"/>
+          </p:nvPr>
+        </p:nvSpPr>
+        <p:spPr/>
+        <p:txBody>
+          <a:bodyPr/>
+          <a:lstStyle/>
+          <a:p>
+            <a:r>
+              <a:rPr lang="en-US" dirty="0" smtClean="0"/>
+              <a:t>As pertains t</a:t>
+            </a:r>
+            <a:r>
+              <a:rPr lang="en-US" baseline="0" dirty="0" smtClean="0"/>
+              <a:t>o demo:</a:t>
+            </a:r>
+            <a:endParaRPr lang="en-US" dirty="0"/>
+          </a:p>
+          <a:p>
+            <a:r>
+              <a:rPr lang="en-US" dirty="0"/>
+              <a:t>EC2 - mongo instances</a:t>
+            </a:r>
+          </a:p>
+          <a:p>
+            <a:r>
+              <a:rPr lang="en-US" dirty="0"/>
+              <a:t>EBS - root and data storage</a:t>
+            </a:r>
+          </a:p>
+          <a:p>
+            <a:r>
+              <a:rPr lang="en-US" dirty="0"/>
+              <a:t>Elastic IP </a:t>
+            </a:r>
+            <a:r>
+              <a:rPr lang="en-US" dirty="0" smtClean="0"/>
+              <a:t>– makes</a:t>
+            </a:r>
+            <a:r>
+              <a:rPr lang="en-US" baseline="0" dirty="0" smtClean="0"/>
+              <a:t> life easier with mongo </a:t>
+            </a:r>
+            <a:r>
+              <a:rPr lang="en-US" baseline="0" dirty="0" err="1" smtClean="0"/>
+              <a:t>rs</a:t>
+            </a:r>
+            <a:r>
+              <a:rPr lang="en-US" baseline="0" dirty="0" smtClean="0"/>
+              <a:t> starting and stopping and for failover</a:t>
+            </a:r>
+            <a:endParaRPr lang="en-US" dirty="0"/>
+          </a:p>
+          <a:p>
+            <a:endParaRPr lang="en-US" dirty="0" smtClean="0"/>
+          </a:p>
+          <a:p>
+            <a:r>
+              <a:rPr lang="en-US" dirty="0" smtClean="0"/>
+              <a:t>Importance of tagging –</a:t>
+            </a:r>
+            <a:r>
+              <a:rPr lang="en-US" baseline="0" dirty="0" smtClean="0"/>
+              <a:t> (Region Code)_(Environment)_(Tier) used as a selector</a:t>
+            </a:r>
+          </a:p>
+          <a:p>
+            <a:endParaRPr lang="en-US" dirty="0" smtClean="0"/>
+          </a:p>
+          <a:p>
+            <a:r>
+              <a:rPr lang="en-US" dirty="0" smtClean="0"/>
+              <a:t>Security </a:t>
+            </a:r>
+            <a:r>
+              <a:rPr lang="en-US" dirty="0"/>
+              <a:t>Groups </a:t>
+            </a:r>
+            <a:r>
+              <a:rPr lang="en-US" dirty="0" smtClean="0"/>
+              <a:t>– mongo:</a:t>
+            </a:r>
+            <a:r>
+              <a:rPr lang="en-US" baseline="0" dirty="0" smtClean="0"/>
+              <a:t> port 22, and 27017 internally</a:t>
+            </a:r>
+            <a:endParaRPr lang="en-US" dirty="0"/>
+          </a:p>
+          <a:p>
+            <a:r>
+              <a:rPr lang="en-US" dirty="0"/>
+              <a:t>Accessing Instances </a:t>
+            </a:r>
+            <a:r>
+              <a:rPr lang="en-US" dirty="0" smtClean="0"/>
+              <a:t>– SSH</a:t>
+            </a:r>
+          </a:p>
+          <a:p>
+            <a:endParaRPr lang="en-US" dirty="0" smtClean="0"/>
+          </a:p>
+        </p:txBody>
+      </p:sp>
+      <p:sp>
+        <p:nvSpPr>
+          <p:cNvPr id="4" name="Slide Number Placeholder 3"/>
+          <p:cNvSpPr>
+            <a:spLocks noGrp="1"/>
+          </p:cNvSpPr>
+          <p:nvPr>
+            <p:ph type="sldNum" sz="quarter" idx="10"/>
+          </p:nvPr>
+        </p:nvSpPr>
+        <p:spPr/>
+        <p:txBody>
+          <a:bodyPr/>
+          <a:lstStyle/>
+          <a:p>
+            <a:fld id="{3BAE3575-A462-0844-9392-728A2009A29D}" type="slidenum">
+              <a:rPr lang="en-US" smtClean="0"/>
+              <a:t>5</a:t>
+            </a:fld>
+            <a:endParaRPr lang="en-US"/>
+          </a:p>
+        </p:txBody>
+      </p:sp>
+    </p:spTree>
+    <p:extLst>
+      <p:ext uri="{BB962C8B-B14F-4D97-AF65-F5344CB8AC3E}">
+        <p14:creationId xmlns:p14="http://schemas.microsoft.com/office/powerpoint/2010/main" val="1853404551"/>
+      </p:ext>
+    </p:extLst>
+  </p:cSld>
+  <p:clrMapOvr>
+    <a:masterClrMapping/>
+  </p:clrMapOvr>
+</p:notes>
+</file>
+
+<file path=ppt/notesSlides/notesSlide6.xml><?xml version="1.0" encoding="utf-8"?>
+<p:notes xmlns:a="http://schemas.openxmlformats.org/drawingml/2006/main" xmlns:r="http://schemas.openxmlformats.org/officeDocument/2006/relationships" xmlns:p="http://schemas.openxmlformats.org/presentationml/2006/main">
+  <p:cSld>
+    <p:spTree>
+      <p:nvGrpSpPr>
+        <p:cNvPr id="1" name=""/>
+        <p:cNvGrpSpPr/>
+        <p:nvPr/>
+      </p:nvGrpSpPr>
+      <p:grpSpPr>
+        <a:xfrm>
+          <a:off x="0" y="0"/>
+          <a:ext cx="0" cy="0"/>
+          <a:chOff x="0" y="0"/>
+          <a:chExt cx="0" cy="0"/>
+        </a:xfrm>
+      </p:grpSpPr>
+      <p:sp>
+        <p:nvSpPr>
+          <p:cNvPr id="2" name="Slide Image Placeholder 1"/>
+          <p:cNvSpPr>
+            <a:spLocks noGrp="1" noRot="1" noChangeAspect="1"/>
+          </p:cNvSpPr>
+          <p:nvPr>
+            <p:ph type="sldImg"/>
+          </p:nvPr>
+        </p:nvSpPr>
+        <p:spPr/>
+      </p:sp>
+      <p:sp>
+        <p:nvSpPr>
+          <p:cNvPr id="3" name="Notes Placeholder 2"/>
+          <p:cNvSpPr>
+            <a:spLocks noGrp="1"/>
+          </p:cNvSpPr>
+          <p:nvPr>
+            <p:ph type="body" idx="1"/>
+          </p:nvPr>
+        </p:nvSpPr>
+        <p:spPr/>
+        <p:txBody>
+          <a:bodyPr/>
+          <a:lstStyle/>
+          <a:p>
+            <a:r>
+              <a:rPr lang="en-US" dirty="0" smtClean="0"/>
+              <a:t>servers serving same function with different OS’s, software installation locations, </a:t>
+            </a:r>
+            <a:r>
+              <a:rPr lang="en-US" dirty="0" err="1" smtClean="0"/>
+              <a:t>ssh</a:t>
+            </a:r>
+            <a:r>
+              <a:rPr lang="en-US" dirty="0" smtClean="0"/>
+              <a:t> keys, </a:t>
+            </a:r>
+            <a:r>
+              <a:rPr lang="en-US" dirty="0" err="1" smtClean="0"/>
+              <a:t>etc</a:t>
+            </a:r>
+            <a:endParaRPr lang="en-US" dirty="0"/>
+          </a:p>
+        </p:txBody>
+      </p:sp>
+      <p:sp>
+        <p:nvSpPr>
+          <p:cNvPr id="4" name="Slide Number Placeholder 3"/>
+          <p:cNvSpPr>
+            <a:spLocks noGrp="1"/>
+          </p:cNvSpPr>
+          <p:nvPr>
+            <p:ph type="sldNum" sz="quarter" idx="10"/>
+          </p:nvPr>
+        </p:nvSpPr>
+        <p:spPr/>
+        <p:txBody>
+          <a:bodyPr/>
+          <a:lstStyle/>
+          <a:p>
+            <a:fld id="{3BAE3575-A462-0844-9392-728A2009A29D}" type="slidenum">
+              <a:rPr lang="en-US" smtClean="0"/>
+              <a:t>7</a:t>
+            </a:fld>
+            <a:endParaRPr lang="en-US"/>
+          </a:p>
+        </p:txBody>
+      </p:sp>
+    </p:spTree>
+    <p:extLst>
+      <p:ext uri="{BB962C8B-B14F-4D97-AF65-F5344CB8AC3E}">
+        <p14:creationId xmlns:p14="http://schemas.microsoft.com/office/powerpoint/2010/main" val="1426876420"/>
+      </p:ext>
+    </p:extLst>
+  </p:cSld>
+  <p:clrMapOvr>
+    <a:masterClrMapping/>
+  </p:clrMapOvr>
+</p:notes>
+</file>
+
+<file path=ppt/notesSlides/notesSlide7.xml><?xml version="1.0" encoding="utf-8"?>
+<p:notes xmlns:a="http://schemas.openxmlformats.org/drawingml/2006/main" xmlns:r="http://schemas.openxmlformats.org/officeDocument/2006/relationships" xmlns:p="http://schemas.openxmlformats.org/presentationml/2006/main">
+  <p:cSld>
+    <p:spTree>
+      <p:nvGrpSpPr>
+        <p:cNvPr id="1" name=""/>
+        <p:cNvGrpSpPr/>
+        <p:nvPr/>
+      </p:nvGrpSpPr>
+      <p:grpSpPr>
+        <a:xfrm>
+          <a:off x="0" y="0"/>
+          <a:ext cx="0" cy="0"/>
+          <a:chOff x="0" y="0"/>
+          <a:chExt cx="0" cy="0"/>
+        </a:xfrm>
+      </p:grpSpPr>
+      <p:sp>
+        <p:nvSpPr>
+          <p:cNvPr id="2" name="Slide Image Placeholder 1"/>
+          <p:cNvSpPr>
+            <a:spLocks noGrp="1" noRot="1" noChangeAspect="1"/>
+          </p:cNvSpPr>
+          <p:nvPr>
+            <p:ph type="sldImg"/>
+          </p:nvPr>
+        </p:nvSpPr>
+        <p:spPr/>
+      </p:sp>
+      <p:sp>
+        <p:nvSpPr>
+          <p:cNvPr id="3" name="Notes Placeholder 2"/>
+          <p:cNvSpPr>
+            <a:spLocks noGrp="1"/>
+          </p:cNvSpPr>
+          <p:nvPr>
+            <p:ph type="body" idx="1"/>
+          </p:nvPr>
+        </p:nvSpPr>
+        <p:spPr/>
+        <p:txBody>
+          <a:bodyPr/>
+          <a:lstStyle/>
+          <a:p>
+            <a:r>
+              <a:rPr lang="en-US" dirty="0" smtClean="0"/>
+              <a:t>From</a:t>
+            </a:r>
+            <a:r>
+              <a:rPr lang="en-US" baseline="0" dirty="0" smtClean="0"/>
+              <a:t> the Zen of Python</a:t>
+            </a:r>
+            <a:br>
+              <a:rPr lang="en-US" baseline="0" dirty="0" smtClean="0"/>
+            </a:br>
+            <a:r>
+              <a:rPr lang="en-US" baseline="0" dirty="0" smtClean="0"/>
+              <a:t>If the implementation is hard to explain, it’s a bad idea.</a:t>
+            </a:r>
+            <a:br>
+              <a:rPr lang="en-US" baseline="0" dirty="0" smtClean="0"/>
+            </a:br>
+            <a:r>
+              <a:rPr lang="en-US" baseline="0" dirty="0" smtClean="0"/>
+              <a:t>If the implementation is easy to explain, it may be a good idea.</a:t>
+            </a:r>
+            <a:br>
+              <a:rPr lang="en-US" baseline="0" dirty="0" smtClean="0"/>
+            </a:br>
+            <a:r>
+              <a:rPr lang="en-US" baseline="0" dirty="0" smtClean="0"/>
+              <a:t/>
+            </a:r>
+            <a:br>
+              <a:rPr lang="en-US" baseline="0" dirty="0" smtClean="0"/>
+            </a:br>
+            <a:r>
+              <a:rPr lang="en-US" baseline="0" dirty="0" smtClean="0"/>
+              <a:t>Great API, easy to use and if used correctly trends towards “good </a:t>
+            </a:r>
+            <a:r>
+              <a:rPr lang="en-US" baseline="0" dirty="0" err="1" smtClean="0"/>
+              <a:t>lookin</a:t>
+            </a:r>
+            <a:r>
+              <a:rPr lang="en-US" baseline="0" dirty="0" smtClean="0"/>
+              <a:t>’” code</a:t>
+            </a:r>
+            <a:endParaRPr lang="en-US" dirty="0"/>
+          </a:p>
+        </p:txBody>
+      </p:sp>
+      <p:sp>
+        <p:nvSpPr>
+          <p:cNvPr id="4" name="Slide Number Placeholder 3"/>
+          <p:cNvSpPr>
+            <a:spLocks noGrp="1"/>
+          </p:cNvSpPr>
+          <p:nvPr>
+            <p:ph type="sldNum" sz="quarter" idx="10"/>
+          </p:nvPr>
+        </p:nvSpPr>
+        <p:spPr/>
+        <p:txBody>
+          <a:bodyPr/>
+          <a:lstStyle/>
+          <a:p>
+            <a:fld id="{3BAE3575-A462-0844-9392-728A2009A29D}" type="slidenum">
+              <a:rPr lang="en-US" smtClean="0"/>
+              <a:t>8</a:t>
+            </a:fld>
+            <a:endParaRPr lang="en-US"/>
+          </a:p>
+        </p:txBody>
+      </p:sp>
+    </p:spTree>
+    <p:extLst>
+      <p:ext uri="{BB962C8B-B14F-4D97-AF65-F5344CB8AC3E}">
+        <p14:creationId xmlns:p14="http://schemas.microsoft.com/office/powerpoint/2010/main" val="679351634"/>
+      </p:ext>
+    </p:extLst>
+  </p:cSld>
+  <p:clrMapOvr>
+    <a:masterClrMapping/>
+  </p:clrMapOvr>
+</p:notes>
+</file>
+
+<file path=ppt/notesSlides/notesSlide8.xml><?xml version="1.0" encoding="utf-8"?>
+<p:notes xmlns:a="http://schemas.openxmlformats.org/drawingml/2006/main" xmlns:r="http://schemas.openxmlformats.org/officeDocument/2006/relationships" xmlns:p="http://schemas.openxmlformats.org/presentationml/2006/main">
+  <p:cSld>
+    <p:spTree>
+      <p:nvGrpSpPr>
+        <p:cNvPr id="1" name=""/>
+        <p:cNvGrpSpPr/>
+        <p:nvPr/>
+      </p:nvGrpSpPr>
+      <p:grpSpPr>
+        <a:xfrm>
+          <a:off x="0" y="0"/>
+          <a:ext cx="0" cy="0"/>
+          <a:chOff x="0" y="0"/>
+          <a:chExt cx="0" cy="0"/>
+        </a:xfrm>
+      </p:grpSpPr>
+      <p:sp>
+        <p:nvSpPr>
+          <p:cNvPr id="2" name="Slide Image Placeholder 1"/>
+          <p:cNvSpPr>
+            <a:spLocks noGrp="1" noRot="1" noChangeAspect="1"/>
+          </p:cNvSpPr>
+          <p:nvPr>
+            <p:ph type="sldImg"/>
+          </p:nvPr>
+        </p:nvSpPr>
+        <p:spPr/>
+      </p:sp>
+      <p:sp>
+        <p:nvSpPr>
+          <p:cNvPr id="3" name="Notes Placeholder 2"/>
+          <p:cNvSpPr>
+            <a:spLocks noGrp="1"/>
+          </p:cNvSpPr>
+          <p:nvPr>
+            <p:ph type="body" idx="1"/>
+          </p:nvPr>
+        </p:nvSpPr>
+        <p:spPr/>
+        <p:txBody>
+          <a:bodyPr/>
+          <a:lstStyle/>
+          <a:p>
+            <a:r>
+              <a:rPr lang="en-US" dirty="0" smtClean="0"/>
+              <a:t>- Note that connections are to</a:t>
+            </a:r>
+            <a:r>
+              <a:rPr lang="en-US" baseline="0" dirty="0" smtClean="0"/>
+              <a:t> REGIONS use of metadata as filters</a:t>
+            </a:r>
+            <a:endParaRPr lang="en-US" dirty="0"/>
+          </a:p>
+        </p:txBody>
+      </p:sp>
+      <p:sp>
+        <p:nvSpPr>
+          <p:cNvPr id="4" name="Slide Number Placeholder 3"/>
+          <p:cNvSpPr>
+            <a:spLocks noGrp="1"/>
+          </p:cNvSpPr>
+          <p:nvPr>
+            <p:ph type="sldNum" sz="quarter" idx="10"/>
+          </p:nvPr>
+        </p:nvSpPr>
+        <p:spPr/>
+        <p:txBody>
+          <a:bodyPr/>
+          <a:lstStyle/>
+          <a:p>
+            <a:fld id="{3BAE3575-A462-0844-9392-728A2009A29D}" type="slidenum">
+              <a:rPr lang="en-US" smtClean="0"/>
+              <a:t>9</a:t>
+            </a:fld>
+            <a:endParaRPr lang="en-US"/>
+          </a:p>
+        </p:txBody>
+      </p:sp>
+    </p:spTree>
+    <p:extLst>
+      <p:ext uri="{BB962C8B-B14F-4D97-AF65-F5344CB8AC3E}">
+        <p14:creationId xmlns:p14="http://schemas.microsoft.com/office/powerpoint/2010/main" val="2479858005"/>
+      </p:ext>
+    </p:extLst>
+  </p:cSld>
+  <p:clrMapOvr>
+    <a:masterClrMapping/>
+  </p:clrMapOvr>
+</p:notes>
+</file>
+
+<file path=ppt/notesSlides/notesSlide9.xml><?xml version="1.0" encoding="utf-8"?>
+<p:notes xmlns:a="http://schemas.openxmlformats.org/drawingml/2006/main" xmlns:r="http://schemas.openxmlformats.org/officeDocument/2006/relationships" xmlns:p="http://schemas.openxmlformats.org/presentationml/2006/main">
+  <p:cSld>
+    <p:spTree>
+      <p:nvGrpSpPr>
+        <p:cNvPr id="1" name=""/>
+        <p:cNvGrpSpPr/>
+        <p:nvPr/>
+      </p:nvGrpSpPr>
+      <p:grpSpPr>
+        <a:xfrm>
+          <a:off x="0" y="0"/>
+          <a:ext cx="0" cy="0"/>
+          <a:chOff x="0" y="0"/>
+          <a:chExt cx="0" cy="0"/>
+        </a:xfrm>
+      </p:grpSpPr>
+      <p:sp>
+        <p:nvSpPr>
+          <p:cNvPr id="2" name="Slide Image Placeholder 1"/>
+          <p:cNvSpPr>
+            <a:spLocks noGrp="1" noRot="1" noChangeAspect="1"/>
+          </p:cNvSpPr>
+          <p:nvPr>
+            <p:ph type="sldImg"/>
+          </p:nvPr>
+        </p:nvSpPr>
+        <p:spPr/>
+      </p:sp>
+      <p:sp>
+        <p:nvSpPr>
+          <p:cNvPr id="3" name="Notes Placeholder 2"/>
+          <p:cNvSpPr>
+            <a:spLocks noGrp="1"/>
+          </p:cNvSpPr>
+          <p:nvPr>
+            <p:ph type="body" idx="1"/>
+          </p:nvPr>
+        </p:nvSpPr>
+        <p:spPr/>
+        <p:txBody>
+          <a:bodyPr/>
+          <a:lstStyle/>
+          <a:p>
+            <a:r>
+              <a:rPr lang="en-US" dirty="0" smtClean="0"/>
+              <a:t>Fabric is </a:t>
+            </a:r>
+            <a:endParaRPr lang="en-US" dirty="0"/>
+          </a:p>
+        </p:txBody>
+      </p:sp>
+      <p:sp>
+        <p:nvSpPr>
+          <p:cNvPr id="4" name="Slide Number Placeholder 3"/>
+          <p:cNvSpPr>
+            <a:spLocks noGrp="1"/>
+          </p:cNvSpPr>
+          <p:nvPr>
+            <p:ph type="sldNum" sz="quarter" idx="10"/>
+          </p:nvPr>
+        </p:nvSpPr>
+        <p:spPr/>
+        <p:txBody>
+          <a:bodyPr/>
+          <a:lstStyle/>
+          <a:p>
+            <a:fld id="{3BAE3575-A462-0844-9392-728A2009A29D}" type="slidenum">
+              <a:rPr lang="en-US" smtClean="0"/>
+              <a:t>10</a:t>
+            </a:fld>
+            <a:endParaRPr lang="en-US"/>
+          </a:p>
+        </p:txBody>
+      </p:sp>
+    </p:spTree>
+    <p:extLst>
+      <p:ext uri="{BB962C8B-B14F-4D97-AF65-F5344CB8AC3E}">
+        <p14:creationId xmlns:p14="http://schemas.microsoft.com/office/powerpoint/2010/main" val="3116855872"/>
       </p:ext>
     </p:extLst>
   </p:cSld>
@@ -3737,6 +5400,13 @@
   <p:clrMapOvr>
     <a:masterClrMapping/>
   </p:clrMapOvr>
+  <p:timing>
+    <p:tnLst>
+      <p:par>
+        <p:cTn xmlns:p14="http://schemas.microsoft.com/office/powerpoint/2010/main" id="1" dur="indefinite" restart="never" nodeType="tmRoot"/>
+      </p:par>
+    </p:tnLst>
+  </p:timing>
 </p:sld>
 </file>
 
@@ -3820,13 +5490,34 @@
           <a:p>
             <a:r>
               <a:rPr lang="en-US" sz="3200" dirty="0" smtClean="0"/>
-              <a:t>Provides “task” execution for local and remote environments</a:t>
-            </a:r>
-          </a:p>
-          <a:p>
+              <a:t>Encapsulates common </a:t>
+            </a:r>
+            <a:r>
+              <a:rPr lang="en-US" sz="3200" dirty="0" err="1" smtClean="0"/>
+              <a:t>ssh</a:t>
+            </a:r>
             <a:r>
               <a:rPr lang="en-US" sz="3200" dirty="0" smtClean="0"/>
-              <a:t>Executable tasks are plain ‘</a:t>
+              <a:t>/</a:t>
+            </a:r>
+            <a:r>
+              <a:rPr lang="en-US" sz="3200" dirty="0" err="1" smtClean="0"/>
+              <a:t>scp</a:t>
+            </a:r>
+            <a:r>
+              <a:rPr lang="en-US" sz="3200" dirty="0" smtClean="0"/>
+              <a:t> operations</a:t>
+            </a:r>
+            <a:endParaRPr lang="en-US" sz="3200" dirty="0" smtClean="0"/>
+          </a:p>
+          <a:p>
+            <a:r>
+              <a:rPr lang="en-US" sz="3200" dirty="0" smtClean="0"/>
+              <a:t>Executable </a:t>
+            </a:r>
+            <a:r>
+              <a:rPr lang="en-US" sz="3200" dirty="0" smtClean="0"/>
+              <a:t>tasks are plain ‘</a:t>
             </a:r>
             <a:r>
               <a:rPr lang="en-US" sz="3200" dirty="0" err="1" smtClean="0"/>
@@ -3850,6 +5541,13 @@
   <p:clrMapOvr>
     <a:masterClrMapping/>
   </p:clrMapOvr>
+  <p:timing>
+    <p:tnLst>
+      <p:par>
+        <p:cTn xmlns:p14="http://schemas.microsoft.com/office/powerpoint/2010/main" id="1" dur="indefinite" restart="never" nodeType="tmRoot"/>
+      </p:par>
+    </p:tnLst>
+  </p:timing>
 </p:sld>
 </file>
 
@@ -3970,7 +5668,7 @@
           <p:nvPr/>
         </p:nvPicPr>
         <p:blipFill>
-          <a:blip r:embed="rId2">
+          <a:blip r:embed="rId3">
             <a:extLst>
               <a:ext uri="{28A0092B-C50C-407E-A947-70E740481C1C}">
                 <a14:useLocalDpi xmlns:a14="http://schemas.microsoft.com/office/drawing/2010/main" val="0"/>
@@ -4000,7 +5698,7 @@
           <p:nvPr/>
         </p:nvPicPr>
         <p:blipFill>
-          <a:blip r:embed="rId3">
+          <a:blip r:embed="rId4">
             <a:extLst>
               <a:ext uri="{28A0092B-C50C-407E-A947-70E740481C1C}">
                 <a14:useLocalDpi xmlns:a14="http://schemas.microsoft.com/office/drawing/2010/main" val="0"/>
@@ -4031,6 +5729,13 @@
   <p:clrMapOvr>
     <a:masterClrMapping/>
   </p:clrMapOvr>
+  <p:timing>
+    <p:tnLst>
+      <p:par>
+        <p:cTn xmlns:p14="http://schemas.microsoft.com/office/powerpoint/2010/main" id="1" dur="indefinite" restart="never" nodeType="tmRoot"/>
+      </p:par>
+    </p:tnLst>
+  </p:timing>
 </p:sld>
 </file>
 
@@ -4097,13 +5802,21 @@
         </p:spPr>
         <p:txBody>
           <a:bodyPr>
-            <a:normAutofit/>
+            <a:normAutofit lnSpcReduction="10000"/>
           </a:bodyPr>
           <a:lstStyle/>
           <a:p>
             <a:r>
               <a:rPr lang="en-US" sz="3200" dirty="0" smtClean="0"/>
-              <a:t>Declarative provisioning tool based on JSON templates</a:t>
+              <a:t>Declarative </a:t>
+            </a:r>
+            <a:r>
+              <a:rPr lang="en-US" sz="3200" dirty="0" smtClean="0"/>
+              <a:t>provisioning and deployment </a:t>
+            </a:r>
+            <a:r>
+              <a:rPr lang="en-US" sz="3200" dirty="0" smtClean="0"/>
+              <a:t>tool based on JSON templates</a:t>
             </a:r>
           </a:p>
           <a:p>
@@ -4131,6 +5844,13 @@
   <p:clrMapOvr>
     <a:masterClrMapping/>
   </p:clrMapOvr>
+  <p:timing>
+    <p:tnLst>
+      <p:par>
+        <p:cTn xmlns:p14="http://schemas.microsoft.com/office/powerpoint/2010/main" id="1" dur="indefinite" restart="never" nodeType="tmRoot"/>
+      </p:par>
+    </p:tnLst>
+  </p:timing>
 </p:sld>
 </file>
 
@@ -4190,7 +5910,7 @@
           </p:nvPr>
         </p:nvPicPr>
         <p:blipFill>
-          <a:blip r:embed="rId2">
+          <a:blip r:embed="rId3">
             <a:extLst>
               <a:ext uri="{28A0092B-C50C-407E-A947-70E740481C1C}">
                 <a14:useLocalDpi xmlns:a14="http://schemas.microsoft.com/office/drawing/2010/main" val="0"/>
@@ -4219,6 +5939,13 @@
   <p:clrMapOvr>
     <a:masterClrMapping/>
   </p:clrMapOvr>
+  <p:timing>
+    <p:tnLst>
+      <p:par>
+        <p:cTn xmlns:p14="http://schemas.microsoft.com/office/powerpoint/2010/main" id="1" dur="indefinite" restart="never" nodeType="tmRoot"/>
+      </p:par>
+    </p:tnLst>
+  </p:timing>
 </p:sld>
 </file>
 
@@ -4308,7 +6035,7 @@
           <p:nvPr/>
         </p:nvPicPr>
         <p:blipFill>
-          <a:blip r:embed="rId2">
+          <a:blip r:embed="rId3">
             <a:extLst>
               <a:ext uri="{28A0092B-C50C-407E-A947-70E740481C1C}">
                 <a14:useLocalDpi xmlns:a14="http://schemas.microsoft.com/office/drawing/2010/main" val="0"/>
@@ -4339,6 +6066,13 @@
   <p:clrMapOvr>
     <a:masterClrMapping/>
   </p:clrMapOvr>
+  <p:timing>
+    <p:tnLst>
+      <p:par>
+        <p:cTn xmlns:p14="http://schemas.microsoft.com/office/powerpoint/2010/main" id="1" dur="indefinite" restart="never" nodeType="tmRoot"/>
+      </p:par>
+    </p:tnLst>
+  </p:timing>
 </p:sld>
 </file>
 
@@ -4427,8 +6161,17 @@
           <a:p>
             <a:r>
               <a:rPr lang="en-US" sz="3200" dirty="0" smtClean="0"/>
-              <a:t>Fabric as an execution framework</a:t>
-            </a:r>
+              <a:t>Fabric as an execution </a:t>
+            </a:r>
+            <a:r>
+              <a:rPr lang="en-US" sz="3200" dirty="0" smtClean="0"/>
+              <a:t>framework</a:t>
+            </a:r>
+          </a:p>
+          <a:p>
+            <a:pPr marL="45720" indent="0">
+              <a:buNone/>
+            </a:pPr>
             <a:endParaRPr lang="en-US" sz="3200" dirty="0"/>
           </a:p>
         </p:txBody>
@@ -4443,6 +6186,13 @@
   <p:clrMapOvr>
     <a:masterClrMapping/>
   </p:clrMapOvr>
+  <p:timing>
+    <p:tnLst>
+      <p:par>
+        <p:cTn xmlns:p14="http://schemas.microsoft.com/office/powerpoint/2010/main" id="1" dur="indefinite" restart="never" nodeType="tmRoot"/>
+      </p:par>
+    </p:tnLst>
+  </p:timing>
 </p:sld>
 </file>
 
@@ -4485,7 +6235,7 @@
           <a:p>
             <a:r>
               <a:rPr lang="en-US" dirty="0" smtClean="0"/>
-              <a:t>Spinning Up Mongo</a:t>
+              <a:t>The Process</a:t>
             </a:r>
             <a:endParaRPr lang="en-US" dirty="0"/>
           </a:p>
@@ -4858,7 +6608,7 @@
           </p:nvPr>
         </p:nvPicPr>
         <p:blipFill>
-          <a:blip r:embed="rId2">
+          <a:blip r:embed="rId3">
             <a:extLst>
               <a:ext uri="{28A0092B-C50C-407E-A947-70E740481C1C}">
                 <a14:useLocalDpi xmlns:a14="http://schemas.microsoft.com/office/drawing/2010/main" val="0"/>
@@ -4977,6 +6727,13 @@
           <a:p>
             <a:r>
               <a:rPr lang="en-US" sz="3200" dirty="0" smtClean="0"/>
+              <a:t>Tasked with scaling out infrastructure</a:t>
+            </a:r>
+            <a:endParaRPr lang="en-US" sz="3200" dirty="0" smtClean="0"/>
+          </a:p>
+          <a:p>
+            <a:r>
+              <a:rPr lang="en-US" sz="3200" dirty="0" smtClean="0"/>
               <a:t>Developed custom provisioning process for AWS (</a:t>
             </a:r>
             <a:r>
@@ -4997,13 +6754,9 @@
             </a:r>
           </a:p>
           <a:p>
-            <a:r>
-              <a:rPr lang="en-US" sz="3200" dirty="0" smtClean="0"/>
-              <a:t>Tasked with scaling out infrastructure as needed</a:t>
-            </a:r>
-            <a:endParaRPr lang="en-US" sz="3200" dirty="0" smtClean="0"/>
-          </a:p>
-          <a:p>
+            <a:pPr marL="45720" indent="0">
+              <a:buNone/>
+            </a:pPr>
             <a:endParaRPr lang="en-US" sz="3200" dirty="0" smtClean="0"/>
           </a:p>
         </p:txBody>
@@ -5018,6 +6771,13 @@
   <p:clrMapOvr>
     <a:masterClrMapping/>
   </p:clrMapOvr>
+  <p:timing>
+    <p:tnLst>
+      <p:par>
+        <p:cTn xmlns:p14="http://schemas.microsoft.com/office/powerpoint/2010/main" id="1" dur="indefinite" restart="never" nodeType="tmRoot"/>
+      </p:par>
+    </p:tnLst>
+  </p:timing>
 </p:sld>
 </file>
 
@@ -5060,7 +6820,15 @@
           <a:p>
             <a:r>
               <a:rPr lang="en-US" dirty="0" smtClean="0"/>
-              <a:t>Wrap-Up/Questions	</a:t>
+              <a:t>Wrap-</a:t>
+            </a:r>
+            <a:r>
+              <a:rPr lang="en-US" dirty="0" smtClean="0"/>
+              <a:t>Up</a:t>
+            </a:r>
+            <a:r>
+              <a:rPr lang="en-US" dirty="0" smtClean="0"/>
+              <a:t>	</a:t>
             </a:r>
             <a:endParaRPr lang="en-US" dirty="0"/>
           </a:p>
@@ -5089,12 +6857,27 @@
           <a:lstStyle/>
           <a:p>
             <a:r>
+              <a:rPr lang="en-US" sz="3200" dirty="0" smtClean="0"/>
+              <a:t>Does this scale?</a:t>
+            </a:r>
+            <a:endParaRPr lang="en-US" sz="3200" dirty="0" smtClean="0"/>
+          </a:p>
+          <a:p>
+            <a:r>
+              <a:rPr lang="en-US" sz="3200" dirty="0" smtClean="0"/>
+              <a:t>Python/</a:t>
+            </a:r>
+            <a:r>
               <a:rPr lang="en-US" sz="3200" dirty="0" err="1" smtClean="0"/>
               <a:t>Boto</a:t>
             </a:r>
             <a:r>
               <a:rPr lang="en-US" sz="3200" dirty="0" smtClean="0"/>
-              <a:t> </a:t>
+              <a:t> eas</a:t>
+            </a:r>
+            <a:r>
+              <a:rPr lang="en-US" sz="3200" dirty="0" smtClean="0"/>
+              <a:t>e of us </a:t>
             </a:r>
             <a:r>
               <a:rPr lang="en-US" sz="3200" dirty="0" err="1" smtClean="0"/>
@@ -5102,41 +6885,30 @@
             </a:r>
             <a:r>
               <a:rPr lang="en-US" sz="3200" dirty="0" smtClean="0"/>
-              <a:t> Cloud Formation: programmatic provisioning </a:t>
+              <a:t> Cloud Formation’s declarative verbosity</a:t>
+            </a:r>
+            <a:endParaRPr lang="en-US" sz="3200" dirty="0" smtClean="0"/>
+          </a:p>
+          <a:p>
+            <a:r>
+              <a:rPr lang="en-US" sz="3200" dirty="0" smtClean="0"/>
+              <a:t>Next iteration – fabric </a:t>
             </a:r>
             <a:r>
               <a:rPr lang="en-US" sz="3200" dirty="0" err="1" smtClean="0"/>
-              <a:t>vs</a:t>
+              <a:t>toolchain</a:t>
             </a:r>
             <a:r>
               <a:rPr lang="en-US" sz="3200" dirty="0" smtClean="0"/>
-              <a:t> declarative verboseness</a:t>
-            </a:r>
-          </a:p>
-          <a:p>
+              <a:t> wrapping </a:t>
+            </a:r>
+            <a:r>
+              <a:rPr lang="en-US" sz="3200" dirty="0" err="1" smtClean="0"/>
+              <a:t>boto</a:t>
+            </a:r>
             <a:r>
               <a:rPr lang="en-US" sz="3200" dirty="0" smtClean="0"/>
-              <a:t>Iterate to support scaling out and up</a:t>
-            </a:r>
-          </a:p>
-          <a:p>
-            <a:r>
-              <a:rPr lang="en-US" sz="3200" dirty="0" smtClean="0"/>
-              <a:t>Metadata Management</a:t>
-            </a:r>
-          </a:p>
-          <a:p>
-            <a:r>
-              <a:rPr lang="en-US" sz="3200" dirty="0" err="1" smtClean="0"/>
-              <a:t>Github</a:t>
-            </a:r>
-            <a:r>
-              <a:rPr lang="en-US" sz="3200" dirty="0" smtClean="0"/>
-              <a:t>: </a:t>
-            </a:r>
-            <a:r>
-              <a:rPr lang="en-US" sz="3200" dirty="0" err="1" smtClean="0"/>
-              <a:t>dixonwh</a:t>
+              <a:t> APIs</a:t>
             </a:r>
             <a:endParaRPr lang="en-US" sz="3200" dirty="0" smtClean="0"/>
           </a:p>
@@ -5178,6 +6950,225 @@
     <p:extLst>
       <p:ext uri="{BB962C8B-B14F-4D97-AF65-F5344CB8AC3E}">
         <p14:creationId xmlns:p14="http://schemas.microsoft.com/office/powerpoint/2010/main" val="321799613"/>
+      </p:ext>
+    </p:extLst>
+  </p:cSld>
+  <p:clrMapOvr>
+    <a:masterClrMapping/>
+  </p:clrMapOvr>
+  <p:timing>
+    <p:tnLst>
+      <p:par>
+        <p:cTn xmlns:p14="http://schemas.microsoft.com/office/powerpoint/2010/main" id="1" dur="indefinite" restart="never" nodeType="tmRoot"/>
+      </p:par>
+    </p:tnLst>
+  </p:timing>
+</p:sld>
+</file>
+
+<file path=ppt/slides/slide21.xml><?xml version="1.0" encoding="utf-8"?>
+<p:sld xmlns:a="http://schemas.openxmlformats.org/drawingml/2006/main" xmlns:r="http://schemas.openxmlformats.org/officeDocument/2006/relationships" xmlns:p="http://schemas.openxmlformats.org/presentationml/2006/main">
+  <p:cSld>
+    <p:spTree>
+      <p:nvGrpSpPr>
+        <p:cNvPr id="1" name=""/>
+        <p:cNvGrpSpPr/>
+        <p:nvPr/>
+      </p:nvGrpSpPr>
+      <p:grpSpPr>
+        <a:xfrm>
+          <a:off x="0" y="0"/>
+          <a:ext cx="0" cy="0"/>
+          <a:chOff x="0" y="0"/>
+          <a:chExt cx="0" cy="0"/>
+        </a:xfrm>
+      </p:grpSpPr>
+      <p:sp>
+        <p:nvSpPr>
+          <p:cNvPr id="2" name="Title 1"/>
+          <p:cNvSpPr>
+            <a:spLocks noGrp="1"/>
+          </p:cNvSpPr>
+          <p:nvPr>
+            <p:ph type="title"/>
+          </p:nvPr>
+        </p:nvSpPr>
+        <p:spPr/>
+        <p:txBody>
+          <a:bodyPr/>
+          <a:lstStyle/>
+          <a:p>
+            <a:r>
+              <a:rPr lang="en-US" dirty="0" smtClean="0"/>
+              <a:t>FREE CODE !!!!!	</a:t>
+            </a:r>
+            <a:endParaRPr lang="en-US" dirty="0"/>
+          </a:p>
+        </p:txBody>
+      </p:sp>
+      <p:sp>
+        <p:nvSpPr>
+          <p:cNvPr id="3" name="Content Placeholder 2"/>
+          <p:cNvSpPr>
+            <a:spLocks noGrp="1"/>
+          </p:cNvSpPr>
+          <p:nvPr>
+            <p:ph idx="1"/>
+          </p:nvPr>
+        </p:nvSpPr>
+        <p:spPr/>
+        <p:txBody>
+          <a:bodyPr/>
+          <a:lstStyle/>
+          <a:p>
+            <a:r>
+              <a:rPr lang="en-US" dirty="0" smtClean="0"/>
+              <a:t>No copyright</a:t>
+            </a:r>
+          </a:p>
+          <a:p>
+            <a:r>
+              <a:rPr lang="en-US" dirty="0" smtClean="0"/>
+              <a:t>No terms of use</a:t>
+            </a:r>
+          </a:p>
+          <a:p>
+            <a:r>
+              <a:rPr lang="en-US" dirty="0" smtClean="0"/>
+              <a:t>No strings attached</a:t>
+            </a:r>
+          </a:p>
+          <a:p>
+            <a:r>
+              <a:rPr lang="en-US" dirty="0"/>
+              <a:t>https://</a:t>
+            </a:r>
+            <a:r>
+              <a:rPr lang="en-US" dirty="0" err="1"/>
+              <a:t>github.com</a:t>
+            </a:r>
+            <a:r>
+              <a:rPr lang="en-US" dirty="0"/>
+              <a:t>/</a:t>
+            </a:r>
+            <a:r>
+              <a:rPr lang="en-US" dirty="0" err="1"/>
+              <a:t>dixonwh</a:t>
+            </a:r>
+            <a:r>
+              <a:rPr lang="en-US" dirty="0"/>
+              <a:t>/</a:t>
+            </a:r>
+            <a:r>
+              <a:rPr lang="en-US" dirty="0" err="1"/>
+              <a:t>aws</a:t>
+            </a:r>
+            <a:r>
+              <a:rPr lang="en-US" dirty="0"/>
+              <a:t>-provisioning</a:t>
+            </a:r>
+          </a:p>
+        </p:txBody>
+      </p:sp>
+    </p:spTree>
+    <p:extLst>
+      <p:ext uri="{BB962C8B-B14F-4D97-AF65-F5344CB8AC3E}">
+        <p14:creationId xmlns:p14="http://schemas.microsoft.com/office/powerpoint/2010/main" val="2099142399"/>
+      </p:ext>
+    </p:extLst>
+  </p:cSld>
+  <p:clrMapOvr>
+    <a:masterClrMapping/>
+  </p:clrMapOvr>
+  <p:timing>
+    <p:tnLst>
+      <p:par>
+        <p:cTn xmlns:p14="http://schemas.microsoft.com/office/powerpoint/2010/main" id="1" dur="indefinite" restart="never" nodeType="tmRoot"/>
+      </p:par>
+    </p:tnLst>
+  </p:timing>
+</p:sld>
+</file>
+
+<file path=ppt/slides/slide22.xml><?xml version="1.0" encoding="utf-8"?>
+<p:sld xmlns:a="http://schemas.openxmlformats.org/drawingml/2006/main" xmlns:r="http://schemas.openxmlformats.org/officeDocument/2006/relationships" xmlns:p="http://schemas.openxmlformats.org/presentationml/2006/main">
+  <p:cSld>
+    <p:spTree>
+      <p:nvGrpSpPr>
+        <p:cNvPr id="1" name=""/>
+        <p:cNvGrpSpPr/>
+        <p:nvPr/>
+      </p:nvGrpSpPr>
+      <p:grpSpPr>
+        <a:xfrm>
+          <a:off x="0" y="0"/>
+          <a:ext cx="0" cy="0"/>
+          <a:chOff x="0" y="0"/>
+          <a:chExt cx="0" cy="0"/>
+        </a:xfrm>
+      </p:grpSpPr>
+      <p:sp>
+        <p:nvSpPr>
+          <p:cNvPr id="2" name="Title 1"/>
+          <p:cNvSpPr>
+            <a:spLocks noGrp="1"/>
+          </p:cNvSpPr>
+          <p:nvPr>
+            <p:ph type="title"/>
+          </p:nvPr>
+        </p:nvSpPr>
+        <p:spPr/>
+        <p:txBody>
+          <a:bodyPr>
+            <a:normAutofit fontScale="90000"/>
+          </a:bodyPr>
+          <a:lstStyle/>
+          <a:p>
+            <a:r>
+              <a:rPr lang="en-US" dirty="0" smtClean="0"/>
+              <a:t>Questions?</a:t>
+            </a:r>
+            <a:br>
+              <a:rPr lang="en-US" dirty="0" smtClean="0"/>
+            </a:br>
+            <a:endParaRPr lang="en-US" dirty="0"/>
+          </a:p>
+        </p:txBody>
+      </p:sp>
+      <p:pic>
+        <p:nvPicPr>
+          <p:cNvPr id="4" name="Content Placeholder 3" descr="500error_large.jpg"/>
+          <p:cNvPicPr>
+            <a:picLocks noGrp="1" noChangeAspect="1"/>
+          </p:cNvPicPr>
+          <p:nvPr>
+            <p:ph idx="1"/>
+          </p:nvPr>
+        </p:nvPicPr>
+        <p:blipFill>
+          <a:blip r:embed="rId2">
+            <a:extLst>
+              <a:ext uri="{28A0092B-C50C-407E-A947-70E740481C1C}">
+                <a14:useLocalDpi xmlns:a14="http://schemas.microsoft.com/office/drawing/2010/main" val="0"/>
+              </a:ext>
+            </a:extLst>
+          </a:blip>
+          <a:srcRect t="8181" b="8181"/>
+          <a:stretch>
+            <a:fillRect/>
+          </a:stretch>
+        </p:blipFill>
+        <p:spPr>
+          <a:xfrm>
+            <a:off x="914400" y="2770188"/>
+            <a:ext cx="7315200" cy="3538537"/>
+          </a:xfrm>
+        </p:spPr>
+      </p:pic>
+    </p:spTree>
+    <p:extLst>
+      <p:ext uri="{BB962C8B-B14F-4D97-AF65-F5344CB8AC3E}">
+        <p14:creationId xmlns:p14="http://schemas.microsoft.com/office/powerpoint/2010/main" val="2453297635"/>
       </p:ext>
     </p:extLst>
   </p:cSld>
@@ -5291,7 +7282,19 @@
             </a:r>
             <a:r>
               <a:rPr lang="en-US" sz="3200" dirty="0" smtClean="0"/>
-              <a:t>, Fabric, and Cloud Formation</a:t>
+              <a:t>, Fabric, and Cloud </a:t>
+            </a:r>
+            <a:r>
+              <a:rPr lang="en-US" sz="3200" dirty="0" smtClean="0"/>
+              <a:t>Formation to deploy a </a:t>
+            </a:r>
+            <a:r>
+              <a:rPr lang="en-US" sz="3200" dirty="0" err="1" smtClean="0"/>
+              <a:t>MongoDB</a:t>
+            </a:r>
+            <a:r>
+              <a:rPr lang="en-US" sz="3200" dirty="0" smtClean="0"/>
+              <a:t> Replica Set</a:t>
             </a:r>
             <a:endParaRPr lang="en-US" sz="3200" dirty="0"/>
           </a:p>
@@ -5307,6 +7310,13 @@
   <p:clrMapOvr>
     <a:masterClrMapping/>
   </p:clrMapOvr>
+  <p:timing>
+    <p:tnLst>
+      <p:par>
+        <p:cTn xmlns:p14="http://schemas.microsoft.com/office/powerpoint/2010/main" id="1" dur="indefinite" restart="never" nodeType="tmRoot"/>
+      </p:par>
+    </p:tnLst>
+  </p:timing>
 </p:sld>
 </file>
 
@@ -5415,6 +7425,13 @@
   <p:clrMapOvr>
     <a:masterClrMapping/>
   </p:clrMapOvr>
+  <p:timing>
+    <p:tnLst>
+      <p:par>
+        <p:cTn xmlns:p14="http://schemas.microsoft.com/office/powerpoint/2010/main" id="1" dur="indefinite" restart="never" nodeType="tmRoot"/>
+      </p:par>
+    </p:tnLst>
+  </p:timing>
 </p:sld>
 </file>
 
@@ -5481,7 +7498,7 @@
         </p:spPr>
         <p:txBody>
           <a:bodyPr>
-            <a:normAutofit/>
+            <a:normAutofit fontScale="92500" lnSpcReduction="10000"/>
           </a:bodyPr>
           <a:lstStyle/>
           <a:p>
@@ -5508,8 +7525,19 @@
             <a:pPr lvl="1"/>
             <a:r>
               <a:rPr lang="en-US" sz="3000" dirty="0" smtClean="0"/>
-              <a:t>Elastic IP</a:t>
-            </a:r>
+              <a:t>Elastic </a:t>
+            </a:r>
+            <a:r>
+              <a:rPr lang="en-US" sz="3000" dirty="0" smtClean="0"/>
+              <a:t>IP</a:t>
+            </a:r>
+          </a:p>
+          <a:p>
+            <a:r>
+              <a:rPr lang="en-US" sz="3200" dirty="0" smtClean="0"/>
+              <a:t>Tagging</a:t>
+            </a:r>
+            <a:endParaRPr lang="en-US" sz="3200" dirty="0" smtClean="0"/>
           </a:p>
           <a:p>
             <a:r>
@@ -5536,6 +7564,13 @@
   <p:clrMapOvr>
     <a:masterClrMapping/>
   </p:clrMapOvr>
+  <p:timing>
+    <p:tnLst>
+      <p:par>
+        <p:cTn xmlns:p14="http://schemas.microsoft.com/office/powerpoint/2010/main" id="1" dur="indefinite" restart="never" nodeType="tmRoot"/>
+      </p:par>
+    </p:tnLst>
+  </p:timing>
 </p:sld>
 </file>
 
@@ -5608,21 +7643,29 @@
           <a:p>
             <a:r>
               <a:rPr lang="en-US" sz="3200" dirty="0" smtClean="0"/>
-              <a:t>Processes are repeatable (scripted) but may not be 100% automated</a:t>
+              <a:t>Base process off of configuration standards: directory layouts, users, etc.</a:t>
             </a:r>
           </a:p>
           <a:p>
             <a:r>
               <a:rPr lang="en-US" sz="3200" dirty="0" smtClean="0"/>
-              <a:t>Iterate to improve automation %</a:t>
-            </a:r>
-          </a:p>
-          <a:p>
+              <a:t>Processes </a:t>
+            </a:r>
             <a:r>
               <a:rPr lang="en-US" sz="3200" dirty="0" smtClean="0"/>
-              <a:t>Base process off of configuration standards</a:t>
-            </a:r>
-            <a:endParaRPr lang="en-US" sz="3200" dirty="0"/>
+              <a:t>are repeatable (scripted) but may not be 100% automated</a:t>
+            </a:r>
+          </a:p>
+          <a:p>
+            <a:r>
+              <a:rPr lang="en-US" sz="3200" dirty="0" smtClean="0"/>
+              <a:t>Iterate to improve automation </a:t>
+            </a:r>
+            <a:r>
+              <a:rPr lang="en-US" sz="3200" dirty="0" smtClean="0"/>
+              <a:t>%</a:t>
+            </a:r>
+            <a:endParaRPr lang="en-US" sz="3200" dirty="0" smtClean="0"/>
           </a:p>
         </p:txBody>
       </p:sp>
@@ -5636,6 +7679,13 @@
   <p:clrMapOvr>
     <a:masterClrMapping/>
   </p:clrMapOvr>
+  <p:timing>
+    <p:tnLst>
+      <p:par>
+        <p:cTn xmlns:p14="http://schemas.microsoft.com/office/powerpoint/2010/main" id="1" dur="indefinite" restart="never" nodeType="tmRoot"/>
+      </p:par>
+    </p:tnLst>
+  </p:timing>
 </p:sld>
 </file>
 
@@ -5695,7 +7745,7 @@
           </p:nvPr>
         </p:nvPicPr>
         <p:blipFill>
-          <a:blip r:embed="rId2">
+          <a:blip r:embed="rId3">
             <a:extLst>
               <a:ext uri="{28A0092B-C50C-407E-A947-70E740481C1C}">
                 <a14:useLocalDpi xmlns:a14="http://schemas.microsoft.com/office/drawing/2010/main" val="0"/>
@@ -5724,6 +7774,13 @@
   <p:clrMapOvr>
     <a:masterClrMapping/>
   </p:clrMapOvr>
+  <p:timing>
+    <p:tnLst>
+      <p:par>
+        <p:cTn xmlns:p14="http://schemas.microsoft.com/office/powerpoint/2010/main" id="1" dur="indefinite" restart="never" nodeType="tmRoot"/>
+      </p:par>
+    </p:tnLst>
+  </p:timing>
 </p:sld>
 </file>
 
@@ -5772,15 +7829,7 @@
             </a:r>
             <a:r>
               <a:rPr lang="en-US" dirty="0" smtClean="0"/>
-              <a:t> – Python </a:t>
-            </a:r>
-            <a:r>
-              <a:rPr lang="en-US" dirty="0" smtClean="0"/>
-              <a:t>Interface </a:t>
-            </a:r>
-            <a:r>
-              <a:rPr lang="en-US" dirty="0" smtClean="0"/>
-              <a:t>for AWS</a:t>
+              <a:t> – Python Interface for AWS</a:t>
             </a:r>
             <a:endParaRPr lang="en-US" dirty="0"/>
           </a:p>
@@ -5851,6 +7900,13 @@
   <p:clrMapOvr>
     <a:masterClrMapping/>
   </p:clrMapOvr>
+  <p:timing>
+    <p:tnLst>
+      <p:par>
+        <p:cTn xmlns:p14="http://schemas.microsoft.com/office/powerpoint/2010/main" id="1" dur="indefinite" restart="never" nodeType="tmRoot"/>
+      </p:par>
+    </p:tnLst>
+  </p:timing>
 </p:sld>
 </file>
 
@@ -5962,7 +8018,7 @@
           <p:nvPr/>
         </p:nvPicPr>
         <p:blipFill>
-          <a:blip r:embed="rId2">
+          <a:blip r:embed="rId3">
             <a:extLst>
               <a:ext uri="{28A0092B-C50C-407E-A947-70E740481C1C}">
                 <a14:useLocalDpi xmlns:a14="http://schemas.microsoft.com/office/drawing/2010/main" val="0"/>
@@ -5992,7 +8048,7 @@
           <p:nvPr/>
         </p:nvPicPr>
         <p:blipFill>
-          <a:blip r:embed="rId3">
+          <a:blip r:embed="rId4">
             <a:extLst>
               <a:ext uri="{28A0092B-C50C-407E-A947-70E740481C1C}">
                 <a14:useLocalDpi xmlns:a14="http://schemas.microsoft.com/office/drawing/2010/main" val="0"/>
@@ -6023,6 +8079,13 @@
   <p:clrMapOvr>
     <a:masterClrMapping/>
   </p:clrMapOvr>
+  <p:timing>
+    <p:tnLst>
+      <p:par>
+        <p:cTn xmlns:p14="http://schemas.microsoft.com/office/powerpoint/2010/main" id="1" dur="indefinite" restart="never" nodeType="tmRoot"/>
+      </p:par>
+    </p:tnLst>
+  </p:timing>
 </p:sld>
 </file>
 
